--- a/2022/June_Batch/5Javascript/2August/16-08-22-Assignment/4regularexpression.pptx
+++ b/2022/June_Batch/5Javascript/2August/16-08-22-Assignment/4regularexpression.pptx
@@ -390,7 +390,7 @@
             <a:fld id="{A5CF73F8-CD1A-43F6-88E0-997FEE3A65FF}" type="datetimeFigureOut">
               <a:rPr lang="en-US" smtClean="0"/>
               <a:pPr/>
-              <a:t>6/28/2022</a:t>
+              <a:t>8/25/2022</a:t>
             </a:fld>
             <a:endParaRPr lang="en-US"/>
           </a:p>
@@ -591,7 +591,7 @@
             <a:fld id="{A5CF73F8-CD1A-43F6-88E0-997FEE3A65FF}" type="datetimeFigureOut">
               <a:rPr lang="en-US" smtClean="0"/>
               <a:pPr/>
-              <a:t>6/28/2022</a:t>
+              <a:t>8/25/2022</a:t>
             </a:fld>
             <a:endParaRPr lang="en-US"/>
           </a:p>
@@ -783,7 +783,7 @@
             <a:fld id="{A5CF73F8-CD1A-43F6-88E0-997FEE3A65FF}" type="datetimeFigureOut">
               <a:rPr lang="en-US" smtClean="0"/>
               <a:pPr/>
-              <a:t>6/28/2022</a:t>
+              <a:t>8/25/2022</a:t>
             </a:fld>
             <a:endParaRPr lang="en-US"/>
           </a:p>
@@ -977,7 +977,7 @@
             <a:fld id="{A5CF73F8-CD1A-43F6-88E0-997FEE3A65FF}" type="datetimeFigureOut">
               <a:rPr lang="en-US" smtClean="0"/>
               <a:pPr/>
-              <a:t>6/28/2022</a:t>
+              <a:t>8/25/2022</a:t>
             </a:fld>
             <a:endParaRPr lang="en-US"/>
           </a:p>
@@ -1205,7 +1205,7 @@
             <a:fld id="{A5CF73F8-CD1A-43F6-88E0-997FEE3A65FF}" type="datetimeFigureOut">
               <a:rPr lang="en-US" smtClean="0"/>
               <a:pPr/>
-              <a:t>6/28/2022</a:t>
+              <a:t>8/25/2022</a:t>
             </a:fld>
             <a:endParaRPr lang="en-US"/>
           </a:p>
@@ -1498,7 +1498,7 @@
             <a:fld id="{A5CF73F8-CD1A-43F6-88E0-997FEE3A65FF}" type="datetimeFigureOut">
               <a:rPr lang="en-US" smtClean="0"/>
               <a:pPr/>
-              <a:t>6/28/2022</a:t>
+              <a:t>8/25/2022</a:t>
             </a:fld>
             <a:endParaRPr lang="en-US"/>
           </a:p>
@@ -1931,7 +1931,7 @@
             <a:fld id="{A5CF73F8-CD1A-43F6-88E0-997FEE3A65FF}" type="datetimeFigureOut">
               <a:rPr lang="en-US" smtClean="0"/>
               <a:pPr/>
-              <a:t>6/28/2022</a:t>
+              <a:t>8/25/2022</a:t>
             </a:fld>
             <a:endParaRPr lang="en-US"/>
           </a:p>
@@ -2059,7 +2059,7 @@
             <a:fld id="{A5CF73F8-CD1A-43F6-88E0-997FEE3A65FF}" type="datetimeFigureOut">
               <a:rPr lang="en-US" smtClean="0"/>
               <a:pPr/>
-              <a:t>6/28/2022</a:t>
+              <a:t>8/25/2022</a:t>
             </a:fld>
             <a:endParaRPr lang="en-US"/>
           </a:p>
@@ -2164,7 +2164,7 @@
             <a:fld id="{A5CF73F8-CD1A-43F6-88E0-997FEE3A65FF}" type="datetimeFigureOut">
               <a:rPr lang="en-US" smtClean="0"/>
               <a:pPr/>
-              <a:t>6/28/2022</a:t>
+              <a:t>8/25/2022</a:t>
             </a:fld>
             <a:endParaRPr lang="en-US"/>
           </a:p>
@@ -2435,7 +2435,7 @@
             <a:fld id="{A5CF73F8-CD1A-43F6-88E0-997FEE3A65FF}" type="datetimeFigureOut">
               <a:rPr lang="en-US" smtClean="0"/>
               <a:pPr/>
-              <a:t>6/28/2022</a:t>
+              <a:t>8/25/2022</a:t>
             </a:fld>
             <a:endParaRPr lang="en-US"/>
           </a:p>
@@ -2801,7 +2801,7 @@
             <a:fld id="{A5CF73F8-CD1A-43F6-88E0-997FEE3A65FF}" type="datetimeFigureOut">
               <a:rPr lang="en-US" smtClean="0"/>
               <a:pPr/>
-              <a:t>6/28/2022</a:t>
+              <a:t>8/25/2022</a:t>
             </a:fld>
             <a:endParaRPr lang="en-US"/>
           </a:p>
@@ -3158,7 +3158,7 @@
             <a:fld id="{A5CF73F8-CD1A-43F6-88E0-997FEE3A65FF}" type="datetimeFigureOut">
               <a:rPr lang="en-US" smtClean="0"/>
               <a:pPr/>
-              <a:t>6/28/2022</a:t>
+              <a:t>8/25/2022</a:t>
             </a:fld>
             <a:endParaRPr lang="en-US"/>
           </a:p>
@@ -3798,11 +3798,7 @@
           <a:p>
             <a:r>
               <a:rPr lang="en-IN" dirty="0" smtClean="0"/>
-              <a:t>Password</a:t>
-            </a:r>
-            <a:r>
-              <a:rPr lang="en-IN" dirty="0" smtClean="0"/>
-              <a:t> validation</a:t>
+              <a:t>Password validation</a:t>
             </a:r>
             <a:endParaRPr lang="en-US" dirty="0"/>
           </a:p>
